--- a/database/slides/LITANY_OF_ST_VINCENT_PALLOTTI.pptx
+++ b/database/slides/LITANY_OF_ST_VINCENT_PALLOTTI.pptx
@@ -15725,60 +15725,6 @@
           </a:p>
         </p:txBody>
       </p:sp>
-      <p:sp>
-        <p:nvSpPr>
-          <p:cNvPr id="131" name="Google Shape;131;p25"/>
-          <p:cNvSpPr txBox="1"/>
-          <p:nvPr/>
-        </p:nvSpPr>
-        <p:spPr>
-          <a:xfrm>
-            <a:off x="7595100" y="6357300"/>
-            <a:ext cx="1548900" cy="500700"/>
-          </a:xfrm>
-          <a:prstGeom prst="rect">
-            <a:avLst/>
-          </a:prstGeom>
-          <a:noFill/>
-          <a:ln>
-            <a:noFill/>
-          </a:ln>
-        </p:spPr>
-        <p:txBody>
-          <a:bodyPr spcFirstLastPara="1" wrap="square" lIns="91425" tIns="91425" rIns="91425" bIns="91425" anchor="ctr" anchorCtr="0">
-            <a:noAutofit/>
-          </a:bodyPr>
-          <a:lstStyle/>
-          <a:p>
-            <a:pPr marL="0" lvl="0" indent="0" algn="l" rtl="0">
-              <a:spcBef>
-                <a:spcPts val="0"/>
-              </a:spcBef>
-              <a:spcAft>
-                <a:spcPts val="0"/>
-              </a:spcAft>
-              <a:buClr>
-                <a:schemeClr val="lt1"/>
-              </a:buClr>
-              <a:buSzPts val="3200"/>
-              <a:buFont typeface="Arial"/>
-              <a:buNone/>
-            </a:pPr>
-            <a:r>
-              <a:rPr lang="en-GB" sz="3600" b="1" i="1" dirty="0">
-                <a:solidFill>
-                  <a:srgbClr val="FFFF00"/>
-                </a:solidFill>
-                <a:latin typeface="Calibri"/>
-                <a:ea typeface="Calibri"/>
-                <a:cs typeface="Calibri"/>
-                <a:sym typeface="Calibri"/>
-              </a:rPr>
-              <a:t>contd..</a:t>
-            </a:r>
-          </a:p>
-        </p:txBody>
-      </p:sp>
       <p:graphicFrame>
         <p:nvGraphicFramePr>
           <p:cNvPr id="3" name="Table 2">
@@ -16339,6 +16285,72 @@
           </a:graphicData>
         </a:graphic>
       </p:graphicFrame>
+      <p:sp>
+        <p:nvSpPr>
+          <p:cNvPr id="2" name="Google Shape;131;p25">
+            <a:extLst>
+              <a:ext uri="{FF2B5EF4-FFF2-40B4-BE49-F238E27FC236}">
+                <a16:creationId xmlns:a16="http://schemas.microsoft.com/office/drawing/2014/main" id="{C9376321-26BE-96C8-8E07-C877362C60B8}"/>
+              </a:ext>
+            </a:extLst>
+          </p:cNvPr>
+          <p:cNvSpPr txBox="1"/>
+          <p:nvPr/>
+        </p:nvSpPr>
+        <p:spPr>
+          <a:xfrm>
+            <a:off x="7595050" y="6357300"/>
+            <a:ext cx="1548900" cy="500700"/>
+          </a:xfrm>
+          <a:prstGeom prst="rect">
+            <a:avLst/>
+          </a:prstGeom>
+          <a:noFill/>
+          <a:ln>
+            <a:noFill/>
+          </a:ln>
+        </p:spPr>
+        <p:txBody>
+          <a:bodyPr spcFirstLastPara="1" wrap="square" lIns="91425" tIns="91425" rIns="91425" bIns="91425" anchor="ctr" anchorCtr="0">
+            <a:noAutofit/>
+          </a:bodyPr>
+          <a:lstStyle/>
+          <a:p>
+            <a:pPr marL="0" lvl="0" indent="0" algn="l" rtl="0">
+              <a:spcBef>
+                <a:spcPts val="0"/>
+              </a:spcBef>
+              <a:spcAft>
+                <a:spcPts val="0"/>
+              </a:spcAft>
+              <a:buClr>
+                <a:schemeClr val="lt1"/>
+              </a:buClr>
+              <a:buSzPts val="3200"/>
+              <a:buFont typeface="Arial"/>
+              <a:buNone/>
+            </a:pPr>
+            <a:r>
+              <a:rPr lang="en-GB" sz="3600" b="1" i="1" dirty="0">
+                <a:solidFill>
+                  <a:srgbClr val="FFFF00"/>
+                </a:solidFill>
+                <a:latin typeface="Calibri"/>
+                <a:ea typeface="Calibri"/>
+                <a:cs typeface="Calibri"/>
+                <a:sym typeface="Calibri"/>
+              </a:rPr>
+              <a:t>contd..</a:t>
+            </a:r>
+            <a:endParaRPr sz="3600" dirty="0">
+              <a:latin typeface="Calibri"/>
+              <a:ea typeface="Calibri"/>
+              <a:cs typeface="Calibri"/>
+              <a:sym typeface="Calibri"/>
+            </a:endParaRPr>
+          </a:p>
+        </p:txBody>
+      </p:sp>
     </p:spTree>
     <p:extLst>
       <p:ext uri="{BB962C8B-B14F-4D97-AF65-F5344CB8AC3E}">
@@ -16467,60 +16479,6 @@
               </a:solidFill>
               <a:effectLst/>
             </a:endParaRPr>
-          </a:p>
-        </p:txBody>
-      </p:sp>
-      <p:sp>
-        <p:nvSpPr>
-          <p:cNvPr id="131" name="Google Shape;131;p25"/>
-          <p:cNvSpPr txBox="1"/>
-          <p:nvPr/>
-        </p:nvSpPr>
-        <p:spPr>
-          <a:xfrm>
-            <a:off x="7595100" y="6357300"/>
-            <a:ext cx="1548900" cy="500700"/>
-          </a:xfrm>
-          <a:prstGeom prst="rect">
-            <a:avLst/>
-          </a:prstGeom>
-          <a:noFill/>
-          <a:ln>
-            <a:noFill/>
-          </a:ln>
-        </p:spPr>
-        <p:txBody>
-          <a:bodyPr spcFirstLastPara="1" wrap="square" lIns="91425" tIns="91425" rIns="91425" bIns="91425" anchor="ctr" anchorCtr="0">
-            <a:noAutofit/>
-          </a:bodyPr>
-          <a:lstStyle/>
-          <a:p>
-            <a:pPr marL="0" lvl="0" indent="0" algn="l" rtl="0">
-              <a:spcBef>
-                <a:spcPts val="0"/>
-              </a:spcBef>
-              <a:spcAft>
-                <a:spcPts val="0"/>
-              </a:spcAft>
-              <a:buClr>
-                <a:schemeClr val="lt1"/>
-              </a:buClr>
-              <a:buSzPts val="3200"/>
-              <a:buFont typeface="Arial"/>
-              <a:buNone/>
-            </a:pPr>
-            <a:r>
-              <a:rPr lang="en-GB" sz="3600" b="1" i="1" dirty="0">
-                <a:solidFill>
-                  <a:srgbClr val="FFFF00"/>
-                </a:solidFill>
-                <a:latin typeface="Calibri"/>
-                <a:ea typeface="Calibri"/>
-                <a:cs typeface="Calibri"/>
-                <a:sym typeface="Calibri"/>
-              </a:rPr>
-              <a:t>contd..</a:t>
-            </a:r>
           </a:p>
         </p:txBody>
       </p:sp>
@@ -17236,6 +17194,72 @@
           </a:graphicData>
         </a:graphic>
       </p:graphicFrame>
+      <p:sp>
+        <p:nvSpPr>
+          <p:cNvPr id="2" name="Google Shape;131;p25">
+            <a:extLst>
+              <a:ext uri="{FF2B5EF4-FFF2-40B4-BE49-F238E27FC236}">
+                <a16:creationId xmlns:a16="http://schemas.microsoft.com/office/drawing/2014/main" id="{F499D241-79B7-695C-EA50-62261AB99C77}"/>
+              </a:ext>
+            </a:extLst>
+          </p:cNvPr>
+          <p:cNvSpPr txBox="1"/>
+          <p:nvPr/>
+        </p:nvSpPr>
+        <p:spPr>
+          <a:xfrm>
+            <a:off x="7595050" y="6357300"/>
+            <a:ext cx="1548900" cy="500700"/>
+          </a:xfrm>
+          <a:prstGeom prst="rect">
+            <a:avLst/>
+          </a:prstGeom>
+          <a:noFill/>
+          <a:ln>
+            <a:noFill/>
+          </a:ln>
+        </p:spPr>
+        <p:txBody>
+          <a:bodyPr spcFirstLastPara="1" wrap="square" lIns="91425" tIns="91425" rIns="91425" bIns="91425" anchor="ctr" anchorCtr="0">
+            <a:noAutofit/>
+          </a:bodyPr>
+          <a:lstStyle/>
+          <a:p>
+            <a:pPr marL="0" lvl="0" indent="0" algn="l" rtl="0">
+              <a:spcBef>
+                <a:spcPts val="0"/>
+              </a:spcBef>
+              <a:spcAft>
+                <a:spcPts val="0"/>
+              </a:spcAft>
+              <a:buClr>
+                <a:schemeClr val="lt1"/>
+              </a:buClr>
+              <a:buSzPts val="3200"/>
+              <a:buFont typeface="Arial"/>
+              <a:buNone/>
+            </a:pPr>
+            <a:r>
+              <a:rPr lang="en-GB" sz="3600" b="1" i="1" dirty="0">
+                <a:solidFill>
+                  <a:srgbClr val="FFFF00"/>
+                </a:solidFill>
+                <a:latin typeface="Calibri"/>
+                <a:ea typeface="Calibri"/>
+                <a:cs typeface="Calibri"/>
+                <a:sym typeface="Calibri"/>
+              </a:rPr>
+              <a:t>contd..</a:t>
+            </a:r>
+            <a:endParaRPr sz="3600" dirty="0">
+              <a:latin typeface="Calibri"/>
+              <a:ea typeface="Calibri"/>
+              <a:cs typeface="Calibri"/>
+              <a:sym typeface="Calibri"/>
+            </a:endParaRPr>
+          </a:p>
+        </p:txBody>
+      </p:sp>
     </p:spTree>
     <p:extLst>
       <p:ext uri="{BB962C8B-B14F-4D97-AF65-F5344CB8AC3E}">
